--- a/Assigment_1/HuValue Framework.pptx
+++ b/Assigment_1/HuValue Framework.pptx
@@ -199,7 +199,7 @@
           <a:p>
             <a:fld id="{DD5D406D-07BC-054E-BF83-F6372B1C284A}" type="datetimeFigureOut">
               <a:rPr lang="en-NL" smtClean="0"/>
-              <a:t>02/21/2021</a:t>
+              <a:t>02/22/2021</a:t>
             </a:fld>
             <a:endParaRPr lang="en-NL"/>
           </a:p>
@@ -877,7 +877,7 @@
           <a:p>
             <a:fld id="{7F72E790-C923-3C43-A4EA-8DF76FF934B6}" type="datetimeFigureOut">
               <a:rPr lang="en-NL" smtClean="0"/>
-              <a:t>02/21/2021</a:t>
+              <a:t>02/22/2021</a:t>
             </a:fld>
             <a:endParaRPr lang="en-NL"/>
           </a:p>
@@ -1077,7 +1077,7 @@
           <a:p>
             <a:fld id="{7F72E790-C923-3C43-A4EA-8DF76FF934B6}" type="datetimeFigureOut">
               <a:rPr lang="en-NL" smtClean="0"/>
-              <a:t>02/21/2021</a:t>
+              <a:t>02/22/2021</a:t>
             </a:fld>
             <a:endParaRPr lang="en-NL"/>
           </a:p>
@@ -1287,7 +1287,7 @@
           <a:p>
             <a:fld id="{7F72E790-C923-3C43-A4EA-8DF76FF934B6}" type="datetimeFigureOut">
               <a:rPr lang="en-NL" smtClean="0"/>
-              <a:t>02/21/2021</a:t>
+              <a:t>02/22/2021</a:t>
             </a:fld>
             <a:endParaRPr lang="en-NL"/>
           </a:p>
@@ -1487,7 +1487,7 @@
           <a:p>
             <a:fld id="{7F72E790-C923-3C43-A4EA-8DF76FF934B6}" type="datetimeFigureOut">
               <a:rPr lang="en-NL" smtClean="0"/>
-              <a:t>02/21/2021</a:t>
+              <a:t>02/22/2021</a:t>
             </a:fld>
             <a:endParaRPr lang="en-NL"/>
           </a:p>
@@ -1763,7 +1763,7 @@
           <a:p>
             <a:fld id="{7F72E790-C923-3C43-A4EA-8DF76FF934B6}" type="datetimeFigureOut">
               <a:rPr lang="en-NL" smtClean="0"/>
-              <a:t>02/21/2021</a:t>
+              <a:t>02/22/2021</a:t>
             </a:fld>
             <a:endParaRPr lang="en-NL"/>
           </a:p>
@@ -2031,7 +2031,7 @@
           <a:p>
             <a:fld id="{7F72E790-C923-3C43-A4EA-8DF76FF934B6}" type="datetimeFigureOut">
               <a:rPr lang="en-NL" smtClean="0"/>
-              <a:t>02/21/2021</a:t>
+              <a:t>02/22/2021</a:t>
             </a:fld>
             <a:endParaRPr lang="en-NL"/>
           </a:p>
@@ -2446,7 +2446,7 @@
           <a:p>
             <a:fld id="{7F72E790-C923-3C43-A4EA-8DF76FF934B6}" type="datetimeFigureOut">
               <a:rPr lang="en-NL" smtClean="0"/>
-              <a:t>02/21/2021</a:t>
+              <a:t>02/22/2021</a:t>
             </a:fld>
             <a:endParaRPr lang="en-NL"/>
           </a:p>
@@ -2588,7 +2588,7 @@
           <a:p>
             <a:fld id="{7F72E790-C923-3C43-A4EA-8DF76FF934B6}" type="datetimeFigureOut">
               <a:rPr lang="en-NL" smtClean="0"/>
-              <a:t>02/21/2021</a:t>
+              <a:t>02/22/2021</a:t>
             </a:fld>
             <a:endParaRPr lang="en-NL"/>
           </a:p>
@@ -2701,7 +2701,7 @@
           <a:p>
             <a:fld id="{7F72E790-C923-3C43-A4EA-8DF76FF934B6}" type="datetimeFigureOut">
               <a:rPr lang="en-NL" smtClean="0"/>
-              <a:t>02/21/2021</a:t>
+              <a:t>02/22/2021</a:t>
             </a:fld>
             <a:endParaRPr lang="en-NL"/>
           </a:p>
@@ -3014,7 +3014,7 @@
           <a:p>
             <a:fld id="{7F72E790-C923-3C43-A4EA-8DF76FF934B6}" type="datetimeFigureOut">
               <a:rPr lang="en-NL" smtClean="0"/>
-              <a:t>02/21/2021</a:t>
+              <a:t>02/22/2021</a:t>
             </a:fld>
             <a:endParaRPr lang="en-NL"/>
           </a:p>
@@ -3303,7 +3303,7 @@
           <a:p>
             <a:fld id="{7F72E790-C923-3C43-A4EA-8DF76FF934B6}" type="datetimeFigureOut">
               <a:rPr lang="en-NL" smtClean="0"/>
-              <a:t>02/21/2021</a:t>
+              <a:t>02/22/2021</a:t>
             </a:fld>
             <a:endParaRPr lang="en-NL"/>
           </a:p>
@@ -3546,7 +3546,7 @@
           <a:p>
             <a:fld id="{7F72E790-C923-3C43-A4EA-8DF76FF934B6}" type="datetimeFigureOut">
               <a:rPr lang="en-NL" smtClean="0"/>
-              <a:t>02/21/2021</a:t>
+              <a:t>02/22/2021</a:t>
             </a:fld>
             <a:endParaRPr lang="en-NL"/>
           </a:p>
@@ -4332,7 +4332,7 @@
         </p:nvSpPr>
         <p:spPr>
           <a:xfrm>
-            <a:off x="4890168" y="559979"/>
+            <a:off x="4458168" y="595837"/>
             <a:ext cx="1096589" cy="518121"/>
           </a:xfrm>
           <a:prstGeom prst="rect">
@@ -4361,14 +4361,9 @@
           <a:p>
             <a:pPr algn="ctr"/>
             <a:r>
-              <a:rPr lang="pt-BR" sz="1050" dirty="0"/>
-              <a:t>Nerd &amp; </a:t>
-            </a:r>
-            <a:r>
-              <a:rPr lang="pt-BR" sz="1050" dirty="0" err="1"/>
-              <a:t>independt</a:t>
-            </a:r>
-            <a:endParaRPr lang="en-NL" sz="1050" dirty="0"/>
+              <a:rPr lang="en-US" sz="1050" dirty="0"/>
+              <a:t>Nerd &amp; independent</a:t>
+            </a:r>
           </a:p>
         </p:txBody>
       </p:sp>
@@ -4418,14 +4413,9 @@
           <a:p>
             <a:pPr algn="ctr"/>
             <a:r>
-              <a:rPr lang="pt-BR" sz="1050" dirty="0"/>
-              <a:t>Hippie &amp; </a:t>
-            </a:r>
-            <a:r>
-              <a:rPr lang="pt-BR" sz="1050" dirty="0" err="1"/>
-              <a:t>enviroment</a:t>
-            </a:r>
-            <a:endParaRPr lang="en-NL" sz="1050" dirty="0"/>
+              <a:rPr lang="en-US" sz="1050"/>
+              <a:t>Hippie &amp; enviroment</a:t>
+            </a:r>
           </a:p>
         </p:txBody>
       </p:sp>
@@ -4475,18 +4465,9 @@
           <a:p>
             <a:pPr algn="ctr"/>
             <a:r>
-              <a:rPr lang="pt-BR" sz="1050" dirty="0" err="1"/>
-              <a:t>Fattie</a:t>
-            </a:r>
-            <a:r>
-              <a:rPr lang="pt-BR" sz="1050" dirty="0"/>
-              <a:t> &amp; </a:t>
-            </a:r>
-            <a:r>
-              <a:rPr lang="pt-BR" sz="1050" dirty="0" err="1"/>
-              <a:t>Honesty</a:t>
-            </a:r>
-            <a:endParaRPr lang="en-NL" sz="1050" dirty="0"/>
+              <a:rPr lang="en-US" sz="1050"/>
+              <a:t>Fattie &amp; Honesty</a:t>
+            </a:r>
           </a:p>
         </p:txBody>
       </p:sp>
@@ -4536,18 +4517,13 @@
           <a:p>
             <a:pPr algn="ctr"/>
             <a:r>
-              <a:rPr lang="pt-BR" sz="1050" dirty="0" err="1"/>
+              <a:rPr lang="en-US" sz="1050" dirty="0" err="1"/>
               <a:t>Fattie</a:t>
             </a:r>
             <a:r>
-              <a:rPr lang="pt-BR" sz="1050" dirty="0"/>
-              <a:t> &amp; </a:t>
-            </a:r>
-            <a:r>
-              <a:rPr lang="pt-BR" sz="1050" dirty="0" err="1"/>
-              <a:t>Honesty</a:t>
-            </a:r>
-            <a:endParaRPr lang="en-NL" sz="1050" dirty="0"/>
+              <a:rPr lang="en-US" sz="1050" dirty="0"/>
+              <a:t> &amp; Justice</a:t>
+            </a:r>
           </a:p>
         </p:txBody>
       </p:sp>
@@ -4597,14 +4573,9 @@
           <a:p>
             <a:pPr algn="ctr"/>
             <a:r>
-              <a:rPr lang="pt-BR" sz="1050" dirty="0"/>
-              <a:t>Hippie &amp; </a:t>
-            </a:r>
-            <a:r>
-              <a:rPr lang="pt-BR" sz="1050" dirty="0" err="1"/>
-              <a:t>healthy</a:t>
-            </a:r>
-            <a:endParaRPr lang="en-NL" sz="1050" dirty="0"/>
+              <a:rPr lang="en-US" sz="1050"/>
+              <a:t>Hippie &amp; healthy</a:t>
+            </a:r>
           </a:p>
         </p:txBody>
       </p:sp>
@@ -4622,7 +4593,7 @@
         </p:nvSpPr>
         <p:spPr>
           <a:xfrm>
-            <a:off x="6183146" y="463072"/>
+            <a:off x="8400746" y="4772109"/>
             <a:ext cx="1096589" cy="518121"/>
           </a:xfrm>
           <a:prstGeom prst="rect">
@@ -4654,10 +4625,9 @@
           <a:p>
             <a:pPr algn="ctr"/>
             <a:r>
-              <a:rPr lang="pt-BR" sz="1050" dirty="0"/>
-              <a:t>Hippie &amp; Independent</a:t>
-            </a:r>
-            <a:endParaRPr lang="en-NL" sz="1050" dirty="0"/>
+              <a:rPr lang="en-US" sz="1050" dirty="0"/>
+              <a:t>Hippie &amp; Justice</a:t>
+            </a:r>
           </a:p>
         </p:txBody>
       </p:sp>
@@ -4707,14 +4677,9 @@
           <a:p>
             <a:pPr algn="ctr"/>
             <a:r>
-              <a:rPr lang="pt-BR" sz="1050" dirty="0"/>
-              <a:t>Hippie &amp; </a:t>
-            </a:r>
-            <a:r>
-              <a:rPr lang="pt-BR" sz="1050" dirty="0" err="1"/>
-              <a:t>meangfull</a:t>
-            </a:r>
-            <a:endParaRPr lang="en-NL" sz="1050" dirty="0"/>
+              <a:rPr lang="en-US" sz="1050"/>
+              <a:t>Hippie &amp; meangfull</a:t>
+            </a:r>
           </a:p>
         </p:txBody>
       </p:sp>
@@ -4761,14 +4726,65 @@
           <a:p>
             <a:pPr algn="ctr"/>
             <a:r>
-              <a:rPr lang="pt-BR" sz="1050" dirty="0"/>
-              <a:t>Nerd &amp; </a:t>
-            </a:r>
-            <a:r>
-              <a:rPr lang="pt-BR" sz="1050" dirty="0" err="1"/>
-              <a:t>Pleasure</a:t>
-            </a:r>
-            <a:endParaRPr lang="en-NL" sz="1050" dirty="0"/>
+              <a:rPr lang="en-US" sz="1050"/>
+              <a:t>Nerd &amp; Pleasure</a:t>
+            </a:r>
+          </a:p>
+        </p:txBody>
+      </p:sp>
+      <p:sp>
+        <p:nvSpPr>
+          <p:cNvPr id="18" name="Rectangle 17">
+            <a:extLst>
+              <a:ext uri="{FF2B5EF4-FFF2-40B4-BE49-F238E27FC236}">
+                <a16:creationId xmlns:a16="http://schemas.microsoft.com/office/drawing/2014/main" id="{6886EEBD-B86A-45E4-BC62-C690FBF25352}"/>
+              </a:ext>
+            </a:extLst>
+          </p:cNvPr>
+          <p:cNvSpPr/>
+          <p:nvPr/>
+        </p:nvSpPr>
+        <p:spPr>
+          <a:xfrm>
+            <a:off x="7304157" y="723701"/>
+            <a:ext cx="1096589" cy="518121"/>
+          </a:xfrm>
+          <a:prstGeom prst="rect">
+            <a:avLst/>
+          </a:prstGeom>
+          <a:solidFill>
+            <a:srgbClr val="FFC000"/>
+          </a:solidFill>
+        </p:spPr>
+        <p:style>
+          <a:lnRef idx="2">
+            <a:schemeClr val="accent1">
+              <a:shade val="50000"/>
+            </a:schemeClr>
+          </a:lnRef>
+          <a:fillRef idx="1">
+            <a:schemeClr val="accent1"/>
+          </a:fillRef>
+          <a:effectRef idx="0">
+            <a:schemeClr val="accent1"/>
+          </a:effectRef>
+          <a:fontRef idx="minor">
+            <a:schemeClr val="lt1"/>
+          </a:fontRef>
+        </p:style>
+        <p:txBody>
+          <a:bodyPr rtlCol="0" anchor="ctr"/>
+          <a:lstStyle/>
+          <a:p>
+            <a:pPr algn="ctr"/>
+            <a:r>
+              <a:rPr lang="en-US" sz="1050" dirty="0" err="1"/>
+              <a:t>Fattie</a:t>
+            </a:r>
+            <a:r>
+              <a:rPr lang="en-US" sz="1050" dirty="0"/>
+              <a:t> &amp; Pleasure</a:t>
+            </a:r>
           </a:p>
         </p:txBody>
       </p:sp>
@@ -5701,12 +5717,9 @@
 </file>
 
 <file path=customXml/item1.xml><?xml version="1.0" encoding="utf-8"?>
-<?mso-contentType ?>
-<FormTemplates xmlns="http://schemas.microsoft.com/sharepoint/v3/contenttype/forms">
-  <Display>DocumentLibraryForm</Display>
-  <Edit>DocumentLibraryForm</Edit>
-  <New>DocumentLibraryForm</New>
-</FormTemplates>
+<p:properties xmlns:p="http://schemas.microsoft.com/office/2006/metadata/properties" xmlns:xsi="http://www.w3.org/2001/XMLSchema-instance" xmlns:pc="http://schemas.microsoft.com/office/infopath/2007/PartnerControls">
+  <documentManagement/>
+</p:properties>
 </file>
 
 <file path=customXml/item2.xml><?xml version="1.0" encoding="utf-8"?>
@@ -5842,15 +5855,19 @@
 </file>
 
 <file path=customXml/item3.xml><?xml version="1.0" encoding="utf-8"?>
-<p:properties xmlns:p="http://schemas.microsoft.com/office/2006/metadata/properties" xmlns:xsi="http://www.w3.org/2001/XMLSchema-instance" xmlns:pc="http://schemas.microsoft.com/office/infopath/2007/PartnerControls">
-  <documentManagement/>
-</p:properties>
+<?mso-contentType ?>
+<FormTemplates xmlns="http://schemas.microsoft.com/sharepoint/v3/contenttype/forms">
+  <Display>DocumentLibraryForm</Display>
+  <Edit>DocumentLibraryForm</Edit>
+  <New>DocumentLibraryForm</New>
+</FormTemplates>
 </file>
 
 <file path=customXml/itemProps1.xml><?xml version="1.0" encoding="utf-8"?>
-<ds:datastoreItem xmlns:ds="http://schemas.openxmlformats.org/officeDocument/2006/customXml" ds:itemID="{60FB3B00-B0AB-4FAD-AC1A-BFCF53907CC0}">
+<ds:datastoreItem xmlns:ds="http://schemas.openxmlformats.org/officeDocument/2006/customXml" ds:itemID="{F51CD81A-FB4D-48B8-A35E-EB9807CDED74}">
   <ds:schemaRefs>
-    <ds:schemaRef ds:uri="http://schemas.microsoft.com/sharepoint/v3/contenttype/forms"/>
+    <ds:schemaRef ds:uri="http://schemas.microsoft.com/office/2006/metadata/properties"/>
+    <ds:schemaRef ds:uri="http://schemas.microsoft.com/office/infopath/2007/PartnerControls"/>
   </ds:schemaRefs>
 </ds:datastoreItem>
 </file>
@@ -5874,10 +5891,9 @@
 </file>
 
 <file path=customXml/itemProps3.xml><?xml version="1.0" encoding="utf-8"?>
-<ds:datastoreItem xmlns:ds="http://schemas.openxmlformats.org/officeDocument/2006/customXml" ds:itemID="{F51CD81A-FB4D-48B8-A35E-EB9807CDED74}">
+<ds:datastoreItem xmlns:ds="http://schemas.openxmlformats.org/officeDocument/2006/customXml" ds:itemID="{60FB3B00-B0AB-4FAD-AC1A-BFCF53907CC0}">
   <ds:schemaRefs>
-    <ds:schemaRef ds:uri="http://schemas.microsoft.com/office/2006/metadata/properties"/>
-    <ds:schemaRef ds:uri="http://schemas.microsoft.com/office/infopath/2007/PartnerControls"/>
+    <ds:schemaRef ds:uri="http://schemas.microsoft.com/sharepoint/v3/contenttype/forms"/>
   </ds:schemaRefs>
 </ds:datastoreItem>
 </file>